--- a/MJ/11.장소.pptx
+++ b/MJ/11.장소.pptx
@@ -290,7 +290,7 @@
           <a:p>
             <a:fld id="{1FB7BD49-E51A-401B-B202-178BC3488398}" type="datetimeFigureOut">
               <a:rPr lang="ko-KR" altLang="en-US" smtClean="0"/>
-              <a:t>2019-10-09</a:t>
+              <a:t>2019-11-05</a:t>
             </a:fld>
             <a:endParaRPr lang="ko-KR" altLang="en-US"/>
           </a:p>
@@ -460,7 +460,7 @@
           <a:p>
             <a:fld id="{1FB7BD49-E51A-401B-B202-178BC3488398}" type="datetimeFigureOut">
               <a:rPr lang="ko-KR" altLang="en-US" smtClean="0"/>
-              <a:t>2019-10-09</a:t>
+              <a:t>2019-11-05</a:t>
             </a:fld>
             <a:endParaRPr lang="ko-KR" altLang="en-US"/>
           </a:p>
@@ -640,7 +640,7 @@
           <a:p>
             <a:fld id="{1FB7BD49-E51A-401B-B202-178BC3488398}" type="datetimeFigureOut">
               <a:rPr lang="ko-KR" altLang="en-US" smtClean="0"/>
-              <a:t>2019-10-09</a:t>
+              <a:t>2019-11-05</a:t>
             </a:fld>
             <a:endParaRPr lang="ko-KR" altLang="en-US"/>
           </a:p>
@@ -810,7 +810,7 @@
           <a:p>
             <a:fld id="{1FB7BD49-E51A-401B-B202-178BC3488398}" type="datetimeFigureOut">
               <a:rPr lang="ko-KR" altLang="en-US" smtClean="0"/>
-              <a:t>2019-10-09</a:t>
+              <a:t>2019-11-05</a:t>
             </a:fld>
             <a:endParaRPr lang="ko-KR" altLang="en-US"/>
           </a:p>
@@ -1056,7 +1056,7 @@
           <a:p>
             <a:fld id="{1FB7BD49-E51A-401B-B202-178BC3488398}" type="datetimeFigureOut">
               <a:rPr lang="ko-KR" altLang="en-US" smtClean="0"/>
-              <a:t>2019-10-09</a:t>
+              <a:t>2019-11-05</a:t>
             </a:fld>
             <a:endParaRPr lang="ko-KR" altLang="en-US"/>
           </a:p>
@@ -1344,7 +1344,7 @@
           <a:p>
             <a:fld id="{1FB7BD49-E51A-401B-B202-178BC3488398}" type="datetimeFigureOut">
               <a:rPr lang="ko-KR" altLang="en-US" smtClean="0"/>
-              <a:t>2019-10-09</a:t>
+              <a:t>2019-11-05</a:t>
             </a:fld>
             <a:endParaRPr lang="ko-KR" altLang="en-US"/>
           </a:p>
@@ -1766,7 +1766,7 @@
           <a:p>
             <a:fld id="{1FB7BD49-E51A-401B-B202-178BC3488398}" type="datetimeFigureOut">
               <a:rPr lang="ko-KR" altLang="en-US" smtClean="0"/>
-              <a:t>2019-10-09</a:t>
+              <a:t>2019-11-05</a:t>
             </a:fld>
             <a:endParaRPr lang="ko-KR" altLang="en-US"/>
           </a:p>
@@ -1884,7 +1884,7 @@
           <a:p>
             <a:fld id="{1FB7BD49-E51A-401B-B202-178BC3488398}" type="datetimeFigureOut">
               <a:rPr lang="ko-KR" altLang="en-US" smtClean="0"/>
-              <a:t>2019-10-09</a:t>
+              <a:t>2019-11-05</a:t>
             </a:fld>
             <a:endParaRPr lang="ko-KR" altLang="en-US"/>
           </a:p>
@@ -1979,7 +1979,7 @@
           <a:p>
             <a:fld id="{1FB7BD49-E51A-401B-B202-178BC3488398}" type="datetimeFigureOut">
               <a:rPr lang="ko-KR" altLang="en-US" smtClean="0"/>
-              <a:t>2019-10-09</a:t>
+              <a:t>2019-11-05</a:t>
             </a:fld>
             <a:endParaRPr lang="ko-KR" altLang="en-US"/>
           </a:p>
@@ -2256,7 +2256,7 @@
           <a:p>
             <a:fld id="{1FB7BD49-E51A-401B-B202-178BC3488398}" type="datetimeFigureOut">
               <a:rPr lang="ko-KR" altLang="en-US" smtClean="0"/>
-              <a:t>2019-10-09</a:t>
+              <a:t>2019-11-05</a:t>
             </a:fld>
             <a:endParaRPr lang="ko-KR" altLang="en-US"/>
           </a:p>
@@ -2509,7 +2509,7 @@
           <a:p>
             <a:fld id="{1FB7BD49-E51A-401B-B202-178BC3488398}" type="datetimeFigureOut">
               <a:rPr lang="ko-KR" altLang="en-US" smtClean="0"/>
-              <a:t>2019-10-09</a:t>
+              <a:t>2019-11-05</a:t>
             </a:fld>
             <a:endParaRPr lang="ko-KR" altLang="en-US"/>
           </a:p>
@@ -2722,7 +2722,7 @@
           <a:p>
             <a:fld id="{1FB7BD49-E51A-401B-B202-178BC3488398}" type="datetimeFigureOut">
               <a:rPr lang="ko-KR" altLang="en-US" smtClean="0"/>
-              <a:t>2019-10-09</a:t>
+              <a:t>2019-11-05</a:t>
             </a:fld>
             <a:endParaRPr lang="ko-KR" altLang="en-US"/>
           </a:p>
@@ -3494,14 +3494,7 @@
                 <a:latin typeface="나눔스퀘어" pitchFamily="50" charset="-127"/>
                 <a:ea typeface="나눔스퀘어" pitchFamily="50" charset="-127"/>
               </a:rPr>
-              <a:t>선택 </a:t>
-            </a:r>
-            <a:r>
-              <a:rPr lang="ko-KR" altLang="en-US" sz="1200" dirty="0" smtClean="0">
-                <a:latin typeface="나눔스퀘어" pitchFamily="50" charset="-127"/>
-                <a:ea typeface="나눔스퀘어" pitchFamily="50" charset="-127"/>
-              </a:rPr>
-              <a:t>버튼 위치함</a:t>
+              <a:t>선택 버튼 위치함</a:t>
             </a:r>
             <a:r>
               <a:rPr lang="en-US" altLang="ko-KR" sz="1200" dirty="0" smtClean="0">
@@ -3695,14 +3688,7 @@
                 <a:latin typeface="나눔스퀘어" pitchFamily="50" charset="-127"/>
                 <a:ea typeface="나눔스퀘어" pitchFamily="50" charset="-127"/>
               </a:rPr>
-              <a:t>이름</a:t>
-            </a:r>
-            <a:r>
-              <a:rPr lang="ko-KR" altLang="en-US" sz="1200" dirty="0" smtClean="0">
-                <a:latin typeface="나눔스퀘어" pitchFamily="50" charset="-127"/>
-                <a:ea typeface="나눔스퀘어" pitchFamily="50" charset="-127"/>
-              </a:rPr>
-              <a:t>색상 버튼 클릭하면 해당 사람이 선택한 장소만 보이는 필터기능 </a:t>
+              <a:t>이름색상 버튼 클릭하면 해당 사람이 선택한 장소만 보이는 필터기능 </a:t>
             </a:r>
             <a:r>
               <a:rPr lang="en-US" altLang="ko-KR" sz="1200" dirty="0" smtClean="0">
@@ -9885,19 +9871,72 @@
                 <a:latin typeface="나눔스퀘어 Bold" pitchFamily="50" charset="-127"/>
                 <a:ea typeface="나눔스퀘어 Bold" pitchFamily="50" charset="-127"/>
               </a:rPr>
-              <a:t>아래 </a:t>
-            </a:r>
-            <a:r>
-              <a:rPr lang="ko-KR" altLang="en-US" sz="1400" dirty="0" smtClean="0">
-                <a:latin typeface="나눔스퀘어 Bold" pitchFamily="50" charset="-127"/>
-                <a:ea typeface="나눔스퀘어 Bold" pitchFamily="50" charset="-127"/>
-              </a:rPr>
-              <a:t>페이지 연결</a:t>
+              <a:t>아래 페이지 연결</a:t>
             </a:r>
             <a:endParaRPr lang="ko-KR" altLang="en-US" sz="1400" dirty="0">
               <a:latin typeface="나눔스퀘어 Bold" pitchFamily="50" charset="-127"/>
               <a:ea typeface="나눔스퀘어 Bold" pitchFamily="50" charset="-127"/>
             </a:endParaRPr>
+          </a:p>
+        </p:txBody>
+      </p:sp>
+      <p:sp>
+        <p:nvSpPr>
+          <p:cNvPr id="3" name="직사각형 2"/>
+          <p:cNvSpPr/>
+          <p:nvPr/>
+        </p:nvSpPr>
+        <p:spPr>
+          <a:xfrm>
+            <a:off x="4117839" y="5301208"/>
+            <a:ext cx="3698243" cy="872467"/>
+          </a:xfrm>
+          <a:prstGeom prst="rect">
+            <a:avLst/>
+          </a:prstGeom>
+        </p:spPr>
+        <p:style>
+          <a:lnRef idx="2">
+            <a:schemeClr val="accent1">
+              <a:shade val="50000"/>
+            </a:schemeClr>
+          </a:lnRef>
+          <a:fillRef idx="1">
+            <a:schemeClr val="accent1"/>
+          </a:fillRef>
+          <a:effectRef idx="0">
+            <a:schemeClr val="accent1"/>
+          </a:effectRef>
+          <a:fontRef idx="minor">
+            <a:schemeClr val="lt1"/>
+          </a:fontRef>
+        </p:style>
+        <p:txBody>
+          <a:bodyPr rtlCol="0" anchor="ctr"/>
+          <a:lstStyle/>
+          <a:p>
+            <a:pPr algn="ctr"/>
+            <a:r>
+              <a:rPr lang="ko-KR" altLang="en-US" dirty="0" smtClean="0"/>
+              <a:t>가고 싶은 곳 어디든 다 </a:t>
+            </a:r>
+            <a:r>
+              <a:rPr lang="ko-KR" altLang="en-US" dirty="0" err="1" smtClean="0"/>
+              <a:t>선택하세염</a:t>
+            </a:r>
+            <a:r>
+              <a:rPr lang="en-US" altLang="ko-KR" dirty="0" smtClean="0"/>
+              <a:t>! </a:t>
+            </a:r>
+            <a:r>
+              <a:rPr lang="ko-KR" altLang="en-US" dirty="0" smtClean="0"/>
+              <a:t>안내의 느낌</a:t>
+            </a:r>
+            <a:r>
+              <a:rPr lang="en-US" altLang="ko-KR" dirty="0" smtClean="0"/>
+              <a:t>!</a:t>
+            </a:r>
+            <a:endParaRPr lang="ko-KR" altLang="en-US" dirty="0"/>
           </a:p>
         </p:txBody>
       </p:sp>
